--- a/media/offline_zh.pptx
+++ b/media/offline_zh.pptx
@@ -244,7 +244,7 @@
           <a:p>
             <a:fld id="{5DB3B267-654E-4BAE-9027-1C49D2B9171B}" type="datetimeFigureOut">
               <a:rPr lang="zh-CN" altLang="en-US" smtClean="0"/>
-              <a:t>2019/4/3</a:t>
+              <a:t>2019/5/29</a:t>
             </a:fld>
             <a:endParaRPr lang="zh-CN" altLang="en-US"/>
           </a:p>
@@ -412,7 +412,7 @@
           <a:p>
             <a:fld id="{5DB3B267-654E-4BAE-9027-1C49D2B9171B}" type="datetimeFigureOut">
               <a:rPr lang="zh-CN" altLang="en-US" smtClean="0"/>
-              <a:t>2019/4/3</a:t>
+              <a:t>2019/5/29</a:t>
             </a:fld>
             <a:endParaRPr lang="zh-CN" altLang="en-US"/>
           </a:p>
@@ -590,7 +590,7 @@
           <a:p>
             <a:fld id="{5DB3B267-654E-4BAE-9027-1C49D2B9171B}" type="datetimeFigureOut">
               <a:rPr lang="zh-CN" altLang="en-US" smtClean="0"/>
-              <a:t>2019/4/3</a:t>
+              <a:t>2019/5/29</a:t>
             </a:fld>
             <a:endParaRPr lang="zh-CN" altLang="en-US"/>
           </a:p>
@@ -758,7 +758,7 @@
           <a:p>
             <a:fld id="{5DB3B267-654E-4BAE-9027-1C49D2B9171B}" type="datetimeFigureOut">
               <a:rPr lang="zh-CN" altLang="en-US" smtClean="0"/>
-              <a:t>2019/4/3</a:t>
+              <a:t>2019/5/29</a:t>
             </a:fld>
             <a:endParaRPr lang="zh-CN" altLang="en-US"/>
           </a:p>
@@ -1003,7 +1003,7 @@
           <a:p>
             <a:fld id="{5DB3B267-654E-4BAE-9027-1C49D2B9171B}" type="datetimeFigureOut">
               <a:rPr lang="zh-CN" altLang="en-US" smtClean="0"/>
-              <a:t>2019/4/3</a:t>
+              <a:t>2019/5/29</a:t>
             </a:fld>
             <a:endParaRPr lang="zh-CN" altLang="en-US"/>
           </a:p>
@@ -1232,7 +1232,7 @@
           <a:p>
             <a:fld id="{5DB3B267-654E-4BAE-9027-1C49D2B9171B}" type="datetimeFigureOut">
               <a:rPr lang="zh-CN" altLang="en-US" smtClean="0"/>
-              <a:t>2019/4/3</a:t>
+              <a:t>2019/5/29</a:t>
             </a:fld>
             <a:endParaRPr lang="zh-CN" altLang="en-US"/>
           </a:p>
@@ -1596,7 +1596,7 @@
           <a:p>
             <a:fld id="{5DB3B267-654E-4BAE-9027-1C49D2B9171B}" type="datetimeFigureOut">
               <a:rPr lang="zh-CN" altLang="en-US" smtClean="0"/>
-              <a:t>2019/4/3</a:t>
+              <a:t>2019/5/29</a:t>
             </a:fld>
             <a:endParaRPr lang="zh-CN" altLang="en-US"/>
           </a:p>
@@ -1713,7 +1713,7 @@
           <a:p>
             <a:fld id="{5DB3B267-654E-4BAE-9027-1C49D2B9171B}" type="datetimeFigureOut">
               <a:rPr lang="zh-CN" altLang="en-US" smtClean="0"/>
-              <a:t>2019/4/3</a:t>
+              <a:t>2019/5/29</a:t>
             </a:fld>
             <a:endParaRPr lang="zh-CN" altLang="en-US"/>
           </a:p>
@@ -1808,7 +1808,7 @@
           <a:p>
             <a:fld id="{5DB3B267-654E-4BAE-9027-1C49D2B9171B}" type="datetimeFigureOut">
               <a:rPr lang="zh-CN" altLang="en-US" smtClean="0"/>
-              <a:t>2019/4/3</a:t>
+              <a:t>2019/5/29</a:t>
             </a:fld>
             <a:endParaRPr lang="zh-CN" altLang="en-US"/>
           </a:p>
@@ -2083,7 +2083,7 @@
           <a:p>
             <a:fld id="{5DB3B267-654E-4BAE-9027-1C49D2B9171B}" type="datetimeFigureOut">
               <a:rPr lang="zh-CN" altLang="en-US" smtClean="0"/>
-              <a:t>2019/4/3</a:t>
+              <a:t>2019/5/29</a:t>
             </a:fld>
             <a:endParaRPr lang="zh-CN" altLang="en-US"/>
           </a:p>
@@ -2335,7 +2335,7 @@
           <a:p>
             <a:fld id="{5DB3B267-654E-4BAE-9027-1C49D2B9171B}" type="datetimeFigureOut">
               <a:rPr lang="zh-CN" altLang="en-US" smtClean="0"/>
-              <a:t>2019/4/3</a:t>
+              <a:t>2019/5/29</a:t>
             </a:fld>
             <a:endParaRPr lang="zh-CN" altLang="en-US"/>
           </a:p>
@@ -2546,7 +2546,7 @@
           <a:p>
             <a:fld id="{5DB3B267-654E-4BAE-9027-1C49D2B9171B}" type="datetimeFigureOut">
               <a:rPr lang="zh-CN" altLang="en-US" smtClean="0"/>
-              <a:t>2019/4/3</a:t>
+              <a:t>2019/5/29</a:t>
             </a:fld>
             <a:endParaRPr lang="zh-CN" altLang="en-US"/>
           </a:p>
@@ -5386,31 +5386,13 @@
             <a:p>
               <a:pPr algn="ctr"/>
               <a:r>
-                <a:rPr lang="en-US" altLang="zh-CN" sz="1400" b="1" dirty="0">
-                  <a:solidFill>
-                    <a:srgbClr val="383B55"/>
-                  </a:solidFill>
-                  <a:latin typeface="Helvetica" pitchFamily="2" charset="0"/>
-                </a:rPr>
-                <a:t>Data</a:t>
-              </a:r>
-              <a:r>
                 <a:rPr lang="zh-CN" altLang="en-US" sz="1400" b="1" dirty="0">
                   <a:solidFill>
                     <a:srgbClr val="383B55"/>
                   </a:solidFill>
                   <a:latin typeface="Helvetica" pitchFamily="2" charset="0"/>
                 </a:rPr>
-                <a:t> </a:t>
-              </a:r>
-              <a:r>
-                <a:rPr lang="en-US" altLang="zh-CN" sz="1400" b="1" dirty="0">
-                  <a:solidFill>
-                    <a:srgbClr val="383B55"/>
-                  </a:solidFill>
-                  <a:latin typeface="Helvetica" pitchFamily="2" charset="0"/>
-                </a:rPr>
-                <a:t>synchronization</a:t>
+                <a:t>数据同步</a:t>
               </a:r>
               <a:endParaRPr lang="en-US" sz="1400" b="1" dirty="0">
                 <a:solidFill>
@@ -5470,22 +5452,15 @@
             <a:p>
               <a:pPr algn="ctr"/>
               <a:r>
-                <a:rPr lang="en-US" altLang="zh-CN" sz="1600" dirty="0">
+                <a:rPr lang="zh-CN" altLang="en-US" sz="1600" dirty="0">
                   <a:solidFill>
                     <a:srgbClr val="383B55"/>
                   </a:solidFill>
                   <a:latin typeface="Helvetica" pitchFamily="2" charset="0"/>
                   <a:ea typeface="微软雅黑" panose="020B0503020204020204" pitchFamily="34" charset="-122"/>
                 </a:rPr>
-                <a:t>Data Store</a:t>
+                <a:t>源数据库</a:t>
               </a:r>
-              <a:endParaRPr lang="zh-CN" altLang="en-US" sz="1600" dirty="0">
-                <a:solidFill>
-                  <a:srgbClr val="383B55"/>
-                </a:solidFill>
-                <a:latin typeface="Helvetica" pitchFamily="2" charset="0"/>
-                <a:ea typeface="微软雅黑" panose="020B0503020204020204" pitchFamily="34" charset="-122"/>
-              </a:endParaRPr>
             </a:p>
           </p:txBody>
         </p:sp>
@@ -5538,32 +5513,20 @@
             <a:p>
               <a:pPr algn="ctr"/>
               <a:r>
-                <a:rPr lang="en-US" altLang="zh-CN" sz="1600" dirty="0">
-                  <a:solidFill>
-                    <a:srgbClr val="383B55"/>
-                  </a:solidFill>
-                  <a:latin typeface="Helvetica" pitchFamily="2" charset="0"/>
-                </a:rPr>
-                <a:t>Target</a:t>
-              </a:r>
-              <a:r>
                 <a:rPr lang="zh-CN" altLang="en-US" sz="1600" dirty="0">
                   <a:solidFill>
                     <a:srgbClr val="383B55"/>
                   </a:solidFill>
                   <a:latin typeface="Helvetica" pitchFamily="2" charset="0"/>
                 </a:rPr>
-                <a:t> </a:t>
+                <a:t>目标数据库</a:t>
               </a:r>
-              <a:r>
-                <a:rPr lang="en-US" altLang="zh-CN" sz="1600" dirty="0">
-                  <a:solidFill>
-                    <a:srgbClr val="383B55"/>
-                  </a:solidFill>
-                  <a:latin typeface="Helvetica" pitchFamily="2" charset="0"/>
-                </a:rPr>
-                <a:t>Datastore</a:t>
-              </a:r>
+              <a:endParaRPr lang="en-US" altLang="zh-CN" sz="1600" dirty="0">
+                <a:solidFill>
+                  <a:srgbClr val="383B55"/>
+                </a:solidFill>
+                <a:latin typeface="Helvetica" pitchFamily="2" charset="0"/>
+              </a:endParaRPr>
             </a:p>
           </p:txBody>
         </p:sp>
@@ -5616,14 +5579,20 @@
             <a:p>
               <a:pPr algn="ctr"/>
               <a:r>
-                <a:rPr lang="en-US" altLang="zh-CN" sz="1600" dirty="0">
+                <a:rPr lang="zh-CN" altLang="en-US" sz="1600" dirty="0">
                   <a:solidFill>
                     <a:schemeClr val="bg1"/>
                   </a:solidFill>
                   <a:latin typeface="Helvetica" pitchFamily="2" charset="0"/>
                 </a:rPr>
-                <a:t>Reader</a:t>
+                <a:t>数据读取</a:t>
               </a:r>
+              <a:endParaRPr lang="en-US" altLang="zh-CN" sz="1600" dirty="0">
+                <a:solidFill>
+                  <a:schemeClr val="bg1"/>
+                </a:solidFill>
+                <a:latin typeface="Helvetica" pitchFamily="2" charset="0"/>
+              </a:endParaRPr>
             </a:p>
           </p:txBody>
         </p:sp>
@@ -5676,14 +5645,20 @@
             <a:p>
               <a:pPr algn="ctr"/>
               <a:r>
-                <a:rPr lang="en-US" altLang="zh-CN" sz="1600" dirty="0">
+                <a:rPr lang="zh-CN" altLang="en-US" sz="1600" dirty="0">
                   <a:solidFill>
                     <a:schemeClr val="bg1"/>
                   </a:solidFill>
                   <a:latin typeface="Helvetica" pitchFamily="2" charset="0"/>
                 </a:rPr>
-                <a:t>Channel</a:t>
+                <a:t>通道</a:t>
               </a:r>
+              <a:endParaRPr lang="en-US" altLang="zh-CN" sz="1600" dirty="0">
+                <a:solidFill>
+                  <a:schemeClr val="bg1"/>
+                </a:solidFill>
+                <a:latin typeface="Helvetica" pitchFamily="2" charset="0"/>
+              </a:endParaRPr>
             </a:p>
           </p:txBody>
         </p:sp>
@@ -5736,14 +5711,20 @@
             <a:p>
               <a:pPr algn="ctr"/>
               <a:r>
-                <a:rPr lang="en-US" altLang="zh-CN" sz="1600" dirty="0">
+                <a:rPr lang="zh-CN" altLang="en-US" sz="1600" dirty="0">
                   <a:solidFill>
                     <a:schemeClr val="bg1"/>
                   </a:solidFill>
                   <a:latin typeface="Helvetica" pitchFamily="2" charset="0"/>
                 </a:rPr>
-                <a:t>Writer</a:t>
+                <a:t>数据写入</a:t>
               </a:r>
+              <a:endParaRPr lang="en-US" altLang="zh-CN" sz="1600" dirty="0">
+                <a:solidFill>
+                  <a:schemeClr val="bg1"/>
+                </a:solidFill>
+                <a:latin typeface="Helvetica" pitchFamily="2" charset="0"/>
+              </a:endParaRPr>
             </a:p>
           </p:txBody>
         </p:sp>
